--- a/Hand Written Digit Regonition PPT.pptx
+++ b/Hand Written Digit Regonition PPT.pptx
@@ -135,7 +135,7 @@
 <file path=ppt/revisionInfo.xml><?xml version="1.0" encoding="utf-8"?>
 <p1510:revInfo xmlns:a="http://schemas.openxmlformats.org/drawingml/2006/main" xmlns:r="http://schemas.openxmlformats.org/officeDocument/2006/relationships" xmlns:p1510="http://schemas.microsoft.com/office/powerpoint/2015/10/main">
   <p1510:revLst>
-    <p1510:client id="{EB0B699C-2A86-4277-A739-F2869829EB93}" v="11" dt="2024-04-04T15:36:38.508"/>
+    <p1510:client id="{EB0B699C-2A86-4277-A739-F2869829EB93}" v="12" dt="2024-04-05T04:07:25.922"/>
   </p1510:revLst>
 </p1510:revInfo>
 </file>
@@ -145,7 +145,7 @@
   <pc:docChgLst>
     <pc:chgData name="sree yeswanth" userId="a1f10f39cf7d3c79" providerId="LiveId" clId="{EB0B699C-2A86-4277-A739-F2869829EB93}"/>
     <pc:docChg chg="undo redo custSel modSld">
-      <pc:chgData name="sree yeswanth" userId="a1f10f39cf7d3c79" providerId="LiveId" clId="{EB0B699C-2A86-4277-A739-F2869829EB93}" dt="2024-04-04T16:33:30.706" v="396" actId="20577"/>
+      <pc:chgData name="sree yeswanth" userId="a1f10f39cf7d3c79" providerId="LiveId" clId="{EB0B699C-2A86-4277-A739-F2869829EB93}" dt="2024-04-05T04:05:33.179" v="397" actId="3626"/>
       <pc:docMkLst>
         <pc:docMk/>
       </pc:docMkLst>
@@ -565,13 +565,13 @@
         </pc:spChg>
       </pc:sldChg>
       <pc:sldChg chg="addSp delSp modSp mod">
-        <pc:chgData name="sree yeswanth" userId="a1f10f39cf7d3c79" providerId="LiveId" clId="{EB0B699C-2A86-4277-A739-F2869829EB93}" dt="2024-04-04T16:33:30.706" v="396" actId="20577"/>
+        <pc:chgData name="sree yeswanth" userId="a1f10f39cf7d3c79" providerId="LiveId" clId="{EB0B699C-2A86-4277-A739-F2869829EB93}" dt="2024-04-05T04:05:33.179" v="397" actId="3626"/>
         <pc:sldMkLst>
           <pc:docMk/>
           <pc:sldMk cId="0" sldId="265"/>
         </pc:sldMkLst>
         <pc:spChg chg="mod">
-          <ac:chgData name="sree yeswanth" userId="a1f10f39cf7d3c79" providerId="LiveId" clId="{EB0B699C-2A86-4277-A739-F2869829EB93}" dt="2024-04-04T16:33:30.706" v="396" actId="20577"/>
+          <ac:chgData name="sree yeswanth" userId="a1f10f39cf7d3c79" providerId="LiveId" clId="{EB0B699C-2A86-4277-A739-F2869829EB93}" dt="2024-04-05T04:05:33.179" v="397" actId="3626"/>
           <ac:spMkLst>
             <pc:docMk/>
             <pc:sldMk cId="0" sldId="265"/>
@@ -769,7 +769,7 @@
           <a:p>
             <a:fld id="{1D8BD707-D9CF-40AE-B4C6-C98DA3205C09}" type="datetimeFigureOut">
               <a:rPr lang="en-US"/>
-              <a:t>4/4/2024</a:t>
+              <a:t>4/5/2024</a:t>
             </a:fld>
             <a:endParaRPr lang="en-US"/>
           </a:p>
@@ -949,7 +949,7 @@
           <a:p>
             <a:fld id="{1D8BD707-D9CF-40AE-B4C6-C98DA3205C09}" type="datetimeFigureOut">
               <a:rPr lang="en-US"/>
-              <a:t>4/4/2024</a:t>
+              <a:t>4/5/2024</a:t>
             </a:fld>
             <a:endParaRPr lang="en-US"/>
           </a:p>
@@ -1172,7 +1172,7 @@
           <a:p>
             <a:fld id="{1D8BD707-D9CF-40AE-B4C6-C98DA3205C09}" type="datetimeFigureOut">
               <a:rPr lang="en-US"/>
-              <a:t>4/4/2024</a:t>
+              <a:t>4/5/2024</a:t>
             </a:fld>
             <a:endParaRPr lang="en-US"/>
           </a:p>
@@ -1329,7 +1329,7 @@
           <a:p>
             <a:fld id="{1D8BD707-D9CF-40AE-B4C6-C98DA3205C09}" type="datetimeFigureOut">
               <a:rPr lang="en-US"/>
-              <a:t>4/4/2024</a:t>
+              <a:t>4/5/2024</a:t>
             </a:fld>
             <a:endParaRPr lang="en-US"/>
           </a:p>
@@ -1457,7 +1457,7 @@
           <a:p>
             <a:fld id="{1D8BD707-D9CF-40AE-B4C6-C98DA3205C09}" type="datetimeFigureOut">
               <a:rPr lang="en-US"/>
-              <a:t>4/4/2024</a:t>
+              <a:t>4/5/2024</a:t>
             </a:fld>
             <a:endParaRPr lang="en-US"/>
           </a:p>
@@ -2176,7 +2176,7 @@
           <a:p>
             <a:fld id="{1D8BD707-D9CF-40AE-B4C6-C98DA3205C09}" type="datetimeFigureOut">
               <a:rPr lang="en-US"/>
-              <a:t>4/4/2024</a:t>
+              <a:t>4/5/2024</a:t>
             </a:fld>
             <a:endParaRPr lang="en-US"/>
           </a:p>
@@ -3174,6 +3174,7 @@
                 </a:uFill>
                 <a:latin typeface="Trebuchet MS"/>
                 <a:cs typeface="Trebuchet MS"/>
+                <a:hlinkClick r:id="rId3"/>
               </a:rPr>
               <a:t>k</a:t>
             </a:r>
